--- a/presentation/MikeYung_Presentation_v2.pptx
+++ b/presentation/MikeYung_Presentation_v2.pptx
@@ -5697,7 +5697,7 @@
         </p:nvSpPr>
         <p:spPr>
           <a:xfrm>
-            <a:off x="898525" y="3788834"/>
+            <a:off x="898525" y="3492501"/>
             <a:ext cx="4140200" cy="790575"/>
           </a:xfrm>
         </p:spPr>
@@ -5716,6 +5716,391 @@
           </a:p>
         </p:txBody>
       </p:sp>
+      <p:sp>
+        <p:nvSpPr>
+          <p:cNvPr id="6" name="TextBox 5"/>
+          <p:cNvSpPr txBox="1"/>
+          <p:nvPr/>
+        </p:nvSpPr>
+        <p:spPr>
+          <a:xfrm>
+            <a:off x="5573889" y="211668"/>
+            <a:ext cx="3428999" cy="2092881"/>
+          </a:xfrm>
+          <a:prstGeom prst="rect">
+            <a:avLst/>
+          </a:prstGeom>
+          <a:noFill/>
+        </p:spPr>
+        <p:txBody>
+          <a:bodyPr wrap="square" rtlCol="0">
+            <a:spAutoFit/>
+          </a:bodyPr>
+          <a:lstStyle/>
+          <a:p>
+            <a:pPr marL="282575" algn="ctr">
+              <a:spcAft>
+                <a:spcPts val="1200"/>
+              </a:spcAft>
+            </a:pPr>
+            <a:r>
+              <a:rPr lang="en-US" sz="2000" u="sng" dirty="0" smtClean="0"/>
+              <a:t>Did You Know?</a:t>
+            </a:r>
+          </a:p>
+          <a:p>
+            <a:pPr marL="285750" indent="-285750" algn="just">
+              <a:spcAft>
+                <a:spcPts val="1200"/>
+              </a:spcAft>
+              <a:buFont typeface="Arial"/>
+              <a:buChar char="•"/>
+            </a:pPr>
+            <a:r>
+              <a:rPr lang="en-US" sz="1500" dirty="0" smtClean="0">
+                <a:solidFill>
+                  <a:schemeClr val="bg1">
+                    <a:lumMod val="50000"/>
+                  </a:schemeClr>
+                </a:solidFill>
+              </a:rPr>
+              <a:t>If you gain an </a:t>
+            </a:r>
+            <a:r>
+              <a:rPr lang="en-US" sz="1500" b="1" dirty="0" smtClean="0">
+                <a:solidFill>
+                  <a:srgbClr val="000000"/>
+                </a:solidFill>
+              </a:rPr>
+              <a:t>additional 100 points </a:t>
+            </a:r>
+            <a:r>
+              <a:rPr lang="en-US" sz="1500" dirty="0" smtClean="0">
+                <a:solidFill>
+                  <a:schemeClr val="bg1">
+                    <a:lumMod val="50000"/>
+                  </a:schemeClr>
+                </a:solidFill>
+              </a:rPr>
+              <a:t>on your </a:t>
+            </a:r>
+            <a:r>
+              <a:rPr lang="en-US" sz="1500" b="1" dirty="0" smtClean="0">
+                <a:solidFill>
+                  <a:srgbClr val="000000"/>
+                </a:solidFill>
+              </a:rPr>
+              <a:t>SAT</a:t>
+            </a:r>
+            <a:r>
+              <a:rPr lang="en-US" sz="1500" dirty="0" smtClean="0">
+                <a:solidFill>
+                  <a:schemeClr val="bg1">
+                    <a:lumMod val="50000"/>
+                  </a:schemeClr>
+                </a:solidFill>
+              </a:rPr>
+              <a:t>, you can </a:t>
+            </a:r>
+            <a:r>
+              <a:rPr lang="en-US" sz="1500" b="1" dirty="0" smtClean="0">
+                <a:solidFill>
+                  <a:srgbClr val="008000"/>
+                </a:solidFill>
+              </a:rPr>
+              <a:t>increase</a:t>
+            </a:r>
+            <a:r>
+              <a:rPr lang="en-US" sz="1500" dirty="0" smtClean="0">
+                <a:solidFill>
+                  <a:srgbClr val="000000"/>
+                </a:solidFill>
+              </a:rPr>
+              <a:t> </a:t>
+            </a:r>
+            <a:r>
+              <a:rPr lang="en-US" sz="1500" dirty="0" smtClean="0">
+                <a:solidFill>
+                  <a:schemeClr val="bg1">
+                    <a:lumMod val="50000"/>
+                  </a:schemeClr>
+                </a:solidFill>
+              </a:rPr>
+              <a:t>your </a:t>
+            </a:r>
+            <a:r>
+              <a:rPr lang="en-US" sz="1500" u="sng" dirty="0" smtClean="0">
+                <a:solidFill>
+                  <a:schemeClr val="bg1">
+                    <a:lumMod val="50000"/>
+                  </a:schemeClr>
+                </a:solidFill>
+              </a:rPr>
+              <a:t>odds</a:t>
+            </a:r>
+            <a:r>
+              <a:rPr lang="en-US" sz="1500" dirty="0" smtClean="0">
+                <a:solidFill>
+                  <a:schemeClr val="bg1">
+                    <a:lumMod val="50000"/>
+                  </a:schemeClr>
+                </a:solidFill>
+              </a:rPr>
+              <a:t> of being admitted by </a:t>
+            </a:r>
+            <a:r>
+              <a:rPr lang="en-US" sz="1500" b="1" dirty="0" smtClean="0">
+                <a:solidFill>
+                  <a:srgbClr val="008000"/>
+                </a:solidFill>
+              </a:rPr>
+              <a:t>3%</a:t>
+            </a:r>
+          </a:p>
+          <a:p>
+            <a:pPr marL="285750" indent="-285750" algn="just">
+              <a:spcAft>
+                <a:spcPts val="1200"/>
+              </a:spcAft>
+              <a:buFont typeface="Arial"/>
+              <a:buChar char="•"/>
+            </a:pPr>
+            <a:r>
+              <a:rPr lang="en-US" sz="1500" dirty="0" smtClean="0">
+                <a:solidFill>
+                  <a:schemeClr val="bg1">
+                    <a:lumMod val="50000"/>
+                  </a:schemeClr>
+                </a:solidFill>
+              </a:rPr>
+              <a:t>If you </a:t>
+            </a:r>
+            <a:r>
+              <a:rPr lang="en-US" sz="1500" b="1" dirty="0" smtClean="0">
+                <a:solidFill>
+                  <a:srgbClr val="000000"/>
+                </a:solidFill>
+              </a:rPr>
+              <a:t>take the SATs one more time</a:t>
+            </a:r>
+            <a:r>
+              <a:rPr lang="en-US" sz="1500" dirty="0" smtClean="0">
+                <a:solidFill>
+                  <a:schemeClr val="bg1">
+                    <a:lumMod val="50000"/>
+                  </a:schemeClr>
+                </a:solidFill>
+              </a:rPr>
+              <a:t>, you can </a:t>
+            </a:r>
+            <a:r>
+              <a:rPr lang="en-US" sz="1500" b="1" dirty="0" smtClean="0">
+                <a:solidFill>
+                  <a:srgbClr val="FF0000"/>
+                </a:solidFill>
+              </a:rPr>
+              <a:t>reduce</a:t>
+            </a:r>
+            <a:r>
+              <a:rPr lang="en-US" sz="1500" dirty="0" smtClean="0">
+                <a:solidFill>
+                  <a:srgbClr val="FF0000"/>
+                </a:solidFill>
+              </a:rPr>
+              <a:t> </a:t>
+            </a:r>
+            <a:r>
+              <a:rPr lang="en-US" sz="1500" dirty="0" smtClean="0">
+                <a:solidFill>
+                  <a:schemeClr val="bg1">
+                    <a:lumMod val="50000"/>
+                  </a:schemeClr>
+                </a:solidFill>
+              </a:rPr>
+              <a:t>your </a:t>
+            </a:r>
+            <a:r>
+              <a:rPr lang="en-US" sz="1500" u="sng" dirty="0" smtClean="0">
+                <a:solidFill>
+                  <a:schemeClr val="bg1">
+                    <a:lumMod val="50000"/>
+                  </a:schemeClr>
+                </a:solidFill>
+              </a:rPr>
+              <a:t>odds</a:t>
+            </a:r>
+            <a:r>
+              <a:rPr lang="en-US" sz="1500" dirty="0" smtClean="0">
+                <a:solidFill>
+                  <a:schemeClr val="bg1">
+                    <a:lumMod val="50000"/>
+                  </a:schemeClr>
+                </a:solidFill>
+              </a:rPr>
+              <a:t> of being admitted by </a:t>
+            </a:r>
+            <a:r>
+              <a:rPr lang="en-US" sz="1500" b="1" dirty="0" smtClean="0">
+                <a:solidFill>
+                  <a:srgbClr val="FF0000"/>
+                </a:solidFill>
+              </a:rPr>
+              <a:t>61%</a:t>
+            </a:r>
+            <a:endParaRPr lang="en-US" sz="1500" b="1" dirty="0">
+              <a:solidFill>
+                <a:srgbClr val="FF0000"/>
+              </a:solidFill>
+            </a:endParaRPr>
+          </a:p>
+        </p:txBody>
+      </p:sp>
+      <p:pic>
+        <p:nvPicPr>
+          <p:cNvPr id="10" name="Picture 9"/>
+          <p:cNvPicPr>
+            <a:picLocks noChangeAspect="1"/>
+          </p:cNvPicPr>
+          <p:nvPr/>
+        </p:nvPicPr>
+        <p:blipFill>
+          <a:blip r:embed="rId2">
+            <a:clrChange>
+              <a:clrFrom>
+                <a:srgbClr val="FFFFFF"/>
+              </a:clrFrom>
+              <a:clrTo>
+                <a:srgbClr val="FFFFFF">
+                  <a:alpha val="0"/>
+                </a:srgbClr>
+              </a:clrTo>
+            </a:clrChange>
+          </a:blip>
+          <a:stretch>
+            <a:fillRect/>
+          </a:stretch>
+        </p:blipFill>
+        <p:spPr>
+          <a:xfrm>
+            <a:off x="6138332" y="211668"/>
+            <a:ext cx="384048" cy="384048"/>
+          </a:xfrm>
+          <a:prstGeom prst="rect">
+            <a:avLst/>
+          </a:prstGeom>
+        </p:spPr>
+      </p:pic>
+      <p:cxnSp>
+        <p:nvCxnSpPr>
+          <p:cNvPr id="12" name="Straight Connector 11"/>
+          <p:cNvCxnSpPr/>
+          <p:nvPr/>
+        </p:nvCxnSpPr>
+        <p:spPr>
+          <a:xfrm>
+            <a:off x="5461000" y="0"/>
+            <a:ext cx="0" cy="2468880"/>
+          </a:xfrm>
+          <a:prstGeom prst="line">
+            <a:avLst/>
+          </a:prstGeom>
+          <a:ln w="3175" cmpd="sng">
+            <a:solidFill>
+              <a:schemeClr val="tx1">
+                <a:lumMod val="50000"/>
+                <a:lumOff val="50000"/>
+              </a:schemeClr>
+            </a:solidFill>
+            <a:prstDash val="dot"/>
+          </a:ln>
+          <a:effectLst/>
+        </p:spPr>
+        <p:style>
+          <a:lnRef idx="2">
+            <a:schemeClr val="accent1"/>
+          </a:lnRef>
+          <a:fillRef idx="0">
+            <a:schemeClr val="accent1"/>
+          </a:fillRef>
+          <a:effectRef idx="1">
+            <a:schemeClr val="accent1"/>
+          </a:effectRef>
+          <a:fontRef idx="minor">
+            <a:schemeClr val="tx1"/>
+          </a:fontRef>
+        </p:style>
+      </p:cxnSp>
+      <p:cxnSp>
+        <p:nvCxnSpPr>
+          <p:cNvPr id="13" name="Straight Connector 12"/>
+          <p:cNvCxnSpPr/>
+          <p:nvPr/>
+        </p:nvCxnSpPr>
+        <p:spPr>
+          <a:xfrm>
+            <a:off x="5461000" y="2459774"/>
+            <a:ext cx="3725333" cy="0"/>
+          </a:xfrm>
+          <a:prstGeom prst="line">
+            <a:avLst/>
+          </a:prstGeom>
+          <a:ln w="3175" cmpd="sng">
+            <a:solidFill>
+              <a:schemeClr val="tx1">
+                <a:lumMod val="50000"/>
+                <a:lumOff val="50000"/>
+              </a:schemeClr>
+            </a:solidFill>
+            <a:prstDash val="dot"/>
+          </a:ln>
+          <a:effectLst/>
+        </p:spPr>
+        <p:style>
+          <a:lnRef idx="2">
+            <a:schemeClr val="accent1"/>
+          </a:lnRef>
+          <a:fillRef idx="0">
+            <a:schemeClr val="accent1"/>
+          </a:fillRef>
+          <a:effectRef idx="1">
+            <a:schemeClr val="accent1"/>
+          </a:effectRef>
+          <a:fontRef idx="minor">
+            <a:schemeClr val="tx1"/>
+          </a:fontRef>
+        </p:style>
+      </p:cxnSp>
+      <p:pic>
+        <p:nvPicPr>
+          <p:cNvPr id="18" name="Picture 17"/>
+          <p:cNvPicPr>
+            <a:picLocks noChangeAspect="1"/>
+          </p:cNvPicPr>
+          <p:nvPr/>
+        </p:nvPicPr>
+        <p:blipFill rotWithShape="1">
+          <a:blip r:embed="rId3">
+            <a:duotone>
+              <a:schemeClr val="bg2">
+                <a:shade val="45000"/>
+                <a:satMod val="135000"/>
+              </a:schemeClr>
+              <a:prstClr val="white"/>
+            </a:duotone>
+          </a:blip>
+          <a:srcRect l="36469" t="26904" r="35823" b="24555"/>
+          <a:stretch/>
+        </p:blipFill>
+        <p:spPr>
+          <a:xfrm>
+            <a:off x="5277556" y="-28222"/>
+            <a:ext cx="382059" cy="501453"/>
+          </a:xfrm>
+          <a:prstGeom prst="rect">
+            <a:avLst/>
+          </a:prstGeom>
+        </p:spPr>
+      </p:pic>
     </p:spTree>
     <p:extLst>
       <p:ext uri="{BB962C8B-B14F-4D97-AF65-F5344CB8AC3E}">
@@ -5737,7 +6122,7 @@
 </file>
 
 <file path=ppt/slides/slide12.xml><?xml version="1.0" encoding="utf-8"?>
-<p:sld xmlns:a="http://schemas.openxmlformats.org/drawingml/2006/main" xmlns:r="http://schemas.openxmlformats.org/officeDocument/2006/relationships" xmlns:p="http://schemas.openxmlformats.org/presentationml/2006/main">
+<p:sld xmlns:a="http://schemas.openxmlformats.org/drawingml/2006/main" xmlns:r="http://schemas.openxmlformats.org/officeDocument/2006/relationships" xmlns:p="http://schemas.openxmlformats.org/presentationml/2006/main" show="0">
   <p:cSld>
     <p:spTree>
       <p:nvGrpSpPr>
@@ -6675,6 +7060,14 @@
   <p:clrMapOvr>
     <a:masterClrMapping/>
   </p:clrMapOvr>
+  <mc:AlternateContent xmlns:mc="http://schemas.openxmlformats.org/markup-compatibility/2006">
+    <mc:Choice xmlns:p14="http://schemas.microsoft.com/office/powerpoint/2010/main" Requires="p14">
+      <p:transition spd="slow" p14:dur="2000"/>
+    </mc:Choice>
+    <mc:Fallback>
+      <p:transition xmlns:p14="http://schemas.microsoft.com/office/powerpoint/2010/main" spd="slow"/>
+    </mc:Fallback>
+  </mc:AlternateContent>
   <p:timing>
     <p:tnLst>
       <p:par>
@@ -6686,7 +7079,7 @@
 </file>
 
 <file path=ppt/slides/slide13.xml><?xml version="1.0" encoding="utf-8"?>
-<p:sld xmlns:a="http://schemas.openxmlformats.org/drawingml/2006/main" xmlns:r="http://schemas.openxmlformats.org/officeDocument/2006/relationships" xmlns:p="http://schemas.openxmlformats.org/presentationml/2006/main">
+<p:sld xmlns:a="http://schemas.openxmlformats.org/drawingml/2006/main" xmlns:r="http://schemas.openxmlformats.org/officeDocument/2006/relationships" xmlns:p="http://schemas.openxmlformats.org/presentationml/2006/main" show="0">
   <p:cSld>
     <p:spTree>
       <p:nvGrpSpPr>
@@ -7923,7 +8316,7 @@
 </file>
 
 <file path=ppt/slides/slide14.xml><?xml version="1.0" encoding="utf-8"?>
-<p:sld xmlns:a="http://schemas.openxmlformats.org/drawingml/2006/main" xmlns:r="http://schemas.openxmlformats.org/officeDocument/2006/relationships" xmlns:p="http://schemas.openxmlformats.org/presentationml/2006/main">
+<p:sld xmlns:a="http://schemas.openxmlformats.org/drawingml/2006/main" xmlns:r="http://schemas.openxmlformats.org/officeDocument/2006/relationships" xmlns:p="http://schemas.openxmlformats.org/presentationml/2006/main" show="0">
   <p:cSld>
     <p:spTree>
       <p:nvGrpSpPr>
